--- a/Documentação/Diagrama de solução/DIAGRAMA DE SOLUÇÃO - Atualizado 21 de Abril.pptx
+++ b/Documentação/Diagrama de solução/DIAGRAMA DE SOLUÇÃO - Atualizado 21 de Abril.pptx
@@ -5,11 +5,10 @@
     <p:sldMasterId id="2147483648" r:id="rId4"/>
   </p:sldMasterIdLst>
   <p:notesMasterIdLst>
-    <p:notesMasterId r:id="rId7"/>
+    <p:notesMasterId r:id="rId6"/>
   </p:notesMasterIdLst>
   <p:sldIdLst>
     <p:sldId id="259" r:id="rId5"/>
-    <p:sldId id="260" r:id="rId6"/>
   </p:sldIdLst>
   <p:sldSz cx="12192000" cy="6858000"/>
   <p:notesSz cx="6858000" cy="9144000"/>
@@ -198,7 +197,7 @@
           <a:p>
             <a:fld id="{9ABB3749-557A-4F1C-991D-F47A2A0D20A6}" type="datetimeFigureOut">
               <a:rPr lang="pt-BR" smtClean="0"/>
-              <a:t>21/04/2020</a:t>
+              <a:t>22/04/2020</a:t>
             </a:fld>
             <a:endParaRPr lang="pt-BR"/>
           </a:p>
@@ -696,7 +695,7 @@
           <a:p>
             <a:fld id="{92E8ECE6-4FCD-4885-B6D6-FC582935FC18}" type="datetimeFigureOut">
               <a:rPr lang="pt-BR" smtClean="0"/>
-              <a:t>21/04/2020</a:t>
+              <a:t>22/04/2020</a:t>
             </a:fld>
             <a:endParaRPr lang="pt-BR"/>
           </a:p>
@@ -894,7 +893,7 @@
           <a:p>
             <a:fld id="{92E8ECE6-4FCD-4885-B6D6-FC582935FC18}" type="datetimeFigureOut">
               <a:rPr lang="pt-BR" smtClean="0"/>
-              <a:t>21/04/2020</a:t>
+              <a:t>22/04/2020</a:t>
             </a:fld>
             <a:endParaRPr lang="pt-BR"/>
           </a:p>
@@ -1102,7 +1101,7 @@
           <a:p>
             <a:fld id="{92E8ECE6-4FCD-4885-B6D6-FC582935FC18}" type="datetimeFigureOut">
               <a:rPr lang="pt-BR" smtClean="0"/>
-              <a:t>21/04/2020</a:t>
+              <a:t>22/04/2020</a:t>
             </a:fld>
             <a:endParaRPr lang="pt-BR"/>
           </a:p>
@@ -1300,7 +1299,7 @@
           <a:p>
             <a:fld id="{92E8ECE6-4FCD-4885-B6D6-FC582935FC18}" type="datetimeFigureOut">
               <a:rPr lang="pt-BR" smtClean="0"/>
-              <a:t>21/04/2020</a:t>
+              <a:t>22/04/2020</a:t>
             </a:fld>
             <a:endParaRPr lang="pt-BR"/>
           </a:p>
@@ -1575,7 +1574,7 @@
           <a:p>
             <a:fld id="{92E8ECE6-4FCD-4885-B6D6-FC582935FC18}" type="datetimeFigureOut">
               <a:rPr lang="pt-BR" smtClean="0"/>
-              <a:t>21/04/2020</a:t>
+              <a:t>22/04/2020</a:t>
             </a:fld>
             <a:endParaRPr lang="pt-BR"/>
           </a:p>
@@ -1840,7 +1839,7 @@
           <a:p>
             <a:fld id="{92E8ECE6-4FCD-4885-B6D6-FC582935FC18}" type="datetimeFigureOut">
               <a:rPr lang="pt-BR" smtClean="0"/>
-              <a:t>21/04/2020</a:t>
+              <a:t>22/04/2020</a:t>
             </a:fld>
             <a:endParaRPr lang="pt-BR"/>
           </a:p>
@@ -2252,7 +2251,7 @@
           <a:p>
             <a:fld id="{92E8ECE6-4FCD-4885-B6D6-FC582935FC18}" type="datetimeFigureOut">
               <a:rPr lang="pt-BR" smtClean="0"/>
-              <a:t>21/04/2020</a:t>
+              <a:t>22/04/2020</a:t>
             </a:fld>
             <a:endParaRPr lang="pt-BR"/>
           </a:p>
@@ -2393,7 +2392,7 @@
           <a:p>
             <a:fld id="{92E8ECE6-4FCD-4885-B6D6-FC582935FC18}" type="datetimeFigureOut">
               <a:rPr lang="pt-BR" smtClean="0"/>
-              <a:t>21/04/2020</a:t>
+              <a:t>22/04/2020</a:t>
             </a:fld>
             <a:endParaRPr lang="pt-BR"/>
           </a:p>
@@ -2506,7 +2505,7 @@
           <a:p>
             <a:fld id="{92E8ECE6-4FCD-4885-B6D6-FC582935FC18}" type="datetimeFigureOut">
               <a:rPr lang="pt-BR" smtClean="0"/>
-              <a:t>21/04/2020</a:t>
+              <a:t>22/04/2020</a:t>
             </a:fld>
             <a:endParaRPr lang="pt-BR"/>
           </a:p>
@@ -2817,7 +2816,7 @@
           <a:p>
             <a:fld id="{92E8ECE6-4FCD-4885-B6D6-FC582935FC18}" type="datetimeFigureOut">
               <a:rPr lang="pt-BR" smtClean="0"/>
-              <a:t>21/04/2020</a:t>
+              <a:t>22/04/2020</a:t>
             </a:fld>
             <a:endParaRPr lang="pt-BR"/>
           </a:p>
@@ -3105,7 +3104,7 @@
           <a:p>
             <a:fld id="{92E8ECE6-4FCD-4885-B6D6-FC582935FC18}" type="datetimeFigureOut">
               <a:rPr lang="pt-BR" smtClean="0"/>
-              <a:t>21/04/2020</a:t>
+              <a:t>22/04/2020</a:t>
             </a:fld>
             <a:endParaRPr lang="pt-BR"/>
           </a:p>
@@ -3346,7 +3345,7 @@
           <a:p>
             <a:fld id="{92E8ECE6-4FCD-4885-B6D6-FC582935FC18}" type="datetimeFigureOut">
               <a:rPr lang="pt-BR" smtClean="0"/>
-              <a:t>21/04/2020</a:t>
+              <a:t>22/04/2020</a:t>
             </a:fld>
             <a:endParaRPr lang="pt-BR"/>
           </a:p>
@@ -3826,7 +3825,7 @@
         </p:nvSpPr>
         <p:spPr>
           <a:xfrm>
-            <a:off x="430808" y="1171297"/>
+            <a:off x="297704" y="1284287"/>
             <a:ext cx="2765779" cy="2195283"/>
           </a:xfrm>
           <a:prstGeom prst="cloud">
@@ -3878,7 +3877,7 @@
         </p:blipFill>
         <p:spPr>
           <a:xfrm>
-            <a:off x="1396088" y="1369369"/>
+            <a:off x="1262984" y="1482359"/>
             <a:ext cx="1034801" cy="1049166"/>
           </a:xfrm>
           <a:prstGeom prst="rect">
@@ -4876,7 +4875,7 @@
         </p:nvSpPr>
         <p:spPr>
           <a:xfrm>
-            <a:off x="2897227" y="79458"/>
+            <a:off x="3556512" y="1113550"/>
             <a:ext cx="2209839" cy="1453234"/>
           </a:xfrm>
           <a:prstGeom prst="cloud">
@@ -5002,13 +5001,15 @@
           </p:cNvPr>
           <p:cNvCxnSpPr>
             <a:cxnSpLocks/>
+            <a:stCxn id="189" idx="1"/>
+            <a:endCxn id="70" idx="1"/>
           </p:cNvCxnSpPr>
           <p:nvPr/>
         </p:nvCxnSpPr>
         <p:spPr>
           <a:xfrm rot="10800000">
-            <a:off x="4840896" y="1088313"/>
-            <a:ext cx="1616604" cy="2640233"/>
+            <a:off x="4661432" y="2565238"/>
+            <a:ext cx="1764218" cy="1146203"/>
           </a:xfrm>
           <a:prstGeom prst="bentConnector2">
             <a:avLst/>
@@ -5048,18 +5049,18 @@
           </p:cNvPr>
           <p:cNvCxnSpPr>
             <a:cxnSpLocks/>
-            <a:endCxn id="72" idx="0"/>
+            <a:endCxn id="78" idx="3"/>
           </p:cNvCxnSpPr>
           <p:nvPr/>
         </p:nvCxnSpPr>
         <p:spPr>
           <a:xfrm rot="10800000">
-            <a:off x="3194282" y="2268939"/>
-            <a:ext cx="3319070" cy="1930874"/>
+            <a:off x="2477235" y="2870000"/>
+            <a:ext cx="3956396" cy="1819832"/>
           </a:xfrm>
           <a:prstGeom prst="bentConnector3">
             <a:avLst>
-              <a:gd name="adj1" fmla="val 57938"/>
+              <a:gd name="adj1" fmla="val 50000"/>
             </a:avLst>
           </a:prstGeom>
           <a:ln w="57150">
@@ -5100,7 +5101,7 @@
         </p:nvSpPr>
         <p:spPr>
           <a:xfrm>
-            <a:off x="1022344" y="2433844"/>
+            <a:off x="889240" y="2546834"/>
             <a:ext cx="1587995" cy="646331"/>
           </a:xfrm>
           <a:prstGeom prst="rect">
@@ -5142,12 +5143,12 @@
         </p:nvCxnSpPr>
         <p:spPr>
           <a:xfrm rot="10800000">
-            <a:off x="439387" y="2268940"/>
-            <a:ext cx="410532" cy="2756497"/>
+            <a:off x="306283" y="2381930"/>
+            <a:ext cx="543636" cy="2643507"/>
           </a:xfrm>
           <a:prstGeom prst="bentConnector3">
             <a:avLst>
-              <a:gd name="adj1" fmla="val 157774"/>
+              <a:gd name="adj1" fmla="val 143628"/>
             </a:avLst>
           </a:prstGeom>
           <a:ln w="57150">
@@ -6300,40 +6301,107 @@
           </a:fontRef>
         </p:style>
       </p:cxnSp>
+      <p:sp>
+        <p:nvSpPr>
+          <p:cNvPr id="54" name="Cloud 11">
+            <a:extLst>
+              <a:ext uri="{FF2B5EF4-FFF2-40B4-BE49-F238E27FC236}">
+                <a16:creationId xmlns:a16="http://schemas.microsoft.com/office/drawing/2014/main" id="{0EE930D2-27CC-4B22-89AD-F60F4A3CDF0F}"/>
+              </a:ext>
+            </a:extLst>
+          </p:cNvPr>
+          <p:cNvSpPr/>
+          <p:nvPr/>
+        </p:nvSpPr>
+        <p:spPr>
+          <a:xfrm>
+            <a:off x="2273630" y="0"/>
+            <a:ext cx="2209839" cy="1453234"/>
+          </a:xfrm>
+          <a:prstGeom prst="cloud">
+            <a:avLst/>
+          </a:prstGeom>
+        </p:spPr>
+        <p:style>
+          <a:lnRef idx="2">
+            <a:schemeClr val="accent1"/>
+          </a:lnRef>
+          <a:fillRef idx="1">
+            <a:schemeClr val="lt1"/>
+          </a:fillRef>
+          <a:effectRef idx="0">
+            <a:schemeClr val="accent1"/>
+          </a:effectRef>
+          <a:fontRef idx="minor">
+            <a:schemeClr val="dk1"/>
+          </a:fontRef>
+        </p:style>
+        <p:txBody>
+          <a:bodyPr rtlCol="0" anchor="ctr"/>
+          <a:lstStyle/>
+          <a:p>
+            <a:r>
+              <a:rPr lang="pt-BR" sz="1400" b="1" dirty="0">
+                <a:latin typeface="Arial" panose="020B0604020202020204" pitchFamily="34" charset="0"/>
+                <a:cs typeface="Arial" panose="020B0604020202020204" pitchFamily="34" charset="0"/>
+              </a:rPr>
+              <a:t>API – CHAMADOS</a:t>
+            </a:r>
+          </a:p>
+        </p:txBody>
+      </p:sp>
+      <p:cxnSp>
+        <p:nvCxnSpPr>
+          <p:cNvPr id="13" name="Conector: Angulado 12">
+            <a:extLst>
+              <a:ext uri="{FF2B5EF4-FFF2-40B4-BE49-F238E27FC236}">
+                <a16:creationId xmlns:a16="http://schemas.microsoft.com/office/drawing/2014/main" id="{66905AA2-7F09-4D70-A9D7-BC50B47594D5}"/>
+              </a:ext>
+            </a:extLst>
+          </p:cNvPr>
+          <p:cNvCxnSpPr>
+            <a:cxnSpLocks/>
+            <a:stCxn id="197" idx="1"/>
+            <a:endCxn id="54" idx="0"/>
+          </p:cNvCxnSpPr>
+          <p:nvPr/>
+        </p:nvCxnSpPr>
+        <p:spPr>
+          <a:xfrm rot="10800000">
+            <a:off x="4481627" y="726618"/>
+            <a:ext cx="3572660" cy="922663"/>
+          </a:xfrm>
+          <a:prstGeom prst="bentConnector3">
+            <a:avLst/>
+          </a:prstGeom>
+          <a:ln w="57150">
+            <a:solidFill>
+              <a:schemeClr val="accent1">
+                <a:lumMod val="75000"/>
+              </a:schemeClr>
+            </a:solidFill>
+            <a:tailEnd type="triangle"/>
+          </a:ln>
+        </p:spPr>
+        <p:style>
+          <a:lnRef idx="1">
+            <a:schemeClr val="accent1"/>
+          </a:lnRef>
+          <a:fillRef idx="0">
+            <a:schemeClr val="accent1"/>
+          </a:fillRef>
+          <a:effectRef idx="0">
+            <a:schemeClr val="accent1"/>
+          </a:effectRef>
+          <a:fontRef idx="minor">
+            <a:schemeClr val="tx1"/>
+          </a:fontRef>
+        </p:style>
+      </p:cxnSp>
     </p:spTree>
     <p:extLst>
       <p:ext uri="{BB962C8B-B14F-4D97-AF65-F5344CB8AC3E}">
         <p14:creationId xmlns:p14="http://schemas.microsoft.com/office/powerpoint/2010/main" val="739477461"/>
-      </p:ext>
-    </p:extLst>
-  </p:cSld>
-  <p:clrMapOvr>
-    <a:masterClrMapping/>
-  </p:clrMapOvr>
-</p:sld>
-</file>
-
-<file path=ppt/slides/slide2.xml><?xml version="1.0" encoding="utf-8"?>
-<p:sld xmlns:a="http://schemas.openxmlformats.org/drawingml/2006/main" xmlns:r="http://schemas.openxmlformats.org/officeDocument/2006/relationships" xmlns:p="http://schemas.openxmlformats.org/presentationml/2006/main">
-  <p:cSld>
-    <p:spTree>
-      <p:nvGrpSpPr>
-        <p:cNvPr id="1" name=""/>
-        <p:cNvGrpSpPr/>
-        <p:nvPr/>
-      </p:nvGrpSpPr>
-      <p:grpSpPr>
-        <a:xfrm>
-          <a:off x="0" y="0"/>
-          <a:ext cx="0" cy="0"/>
-          <a:chOff x="0" y="0"/>
-          <a:chExt cx="0" cy="0"/>
-        </a:xfrm>
-      </p:grpSpPr>
-    </p:spTree>
-    <p:extLst>
-      <p:ext uri="{BB962C8B-B14F-4D97-AF65-F5344CB8AC3E}">
-        <p14:creationId xmlns:p14="http://schemas.microsoft.com/office/powerpoint/2010/main" val="362341417"/>
       </p:ext>
     </p:extLst>
   </p:cSld>
